--- a/resources/presentation.pptx
+++ b/resources/presentation.pptx
@@ -5,7 +5,7 @@
     <p:sldMasterId id="2147483712" r:id="rId1"/>
   </p:sldMasterIdLst>
   <p:notesMasterIdLst>
-    <p:notesMasterId r:id="rId14"/>
+    <p:notesMasterId r:id="rId15"/>
   </p:notesMasterIdLst>
   <p:sldIdLst>
     <p:sldId id="256" r:id="rId2"/>
@@ -19,7 +19,8 @@
     <p:sldId id="264" r:id="rId10"/>
     <p:sldId id="267" r:id="rId11"/>
     <p:sldId id="268" r:id="rId12"/>
-    <p:sldId id="270" r:id="rId13"/>
+    <p:sldId id="271" r:id="rId13"/>
+    <p:sldId id="270" r:id="rId14"/>
   </p:sldIdLst>
   <p:sldSz cx="12192000" cy="6858000"/>
   <p:notesSz cx="6858000" cy="9144000"/>
@@ -118,6 +119,11 @@
       </a:defRPr>
     </a:lvl9pPr>
   </p:defaultTextStyle>
+  <p:extLst>
+    <p:ext uri="{EFAFB233-063F-42B5-8137-9DF3F51BA10A}">
+      <p15:sldGuideLst xmlns:p15="http://schemas.microsoft.com/office/powerpoint/2012/main"/>
+    </p:ext>
+  </p:extLst>
 </p:presentation>
 </file>
 
@@ -515,7 +521,7 @@
           <a:bodyPr/>
           <a:lstStyle/>
           <a:p>
-            <a:endParaRPr lang="de-CH" dirty="0"/>
+            <a:endParaRPr lang="de-CH"/>
           </a:p>
         </p:txBody>
       </p:sp>
@@ -536,7 +542,7 @@
           <a:p>
             <a:fld id="{B11727C5-5920-C847-A97F-C31A3A62D120}" type="slidenum">
               <a:rPr lang="de-CH" smtClean="0"/>
-              <a:t>10</a:t>
+              <a:t>1</a:t>
             </a:fld>
             <a:endParaRPr lang="de-CH"/>
           </a:p>
@@ -545,7 +551,7 @@
     </p:spTree>
     <p:extLst>
       <p:ext uri="{BB962C8B-B14F-4D97-AF65-F5344CB8AC3E}">
-        <p14:creationId xmlns:p14="http://schemas.microsoft.com/office/powerpoint/2010/main" val="3476697146"/>
+        <p14:creationId xmlns:p14="http://schemas.microsoft.com/office/powerpoint/2010/main" val="693694244"/>
       </p:ext>
     </p:extLst>
   </p:cSld>
@@ -620,7 +626,91 @@
           <a:p>
             <a:fld id="{B11727C5-5920-C847-A97F-C31A3A62D120}" type="slidenum">
               <a:rPr lang="de-CH" smtClean="0"/>
-              <a:t>12</a:t>
+              <a:t>10</a:t>
+            </a:fld>
+            <a:endParaRPr lang="de-CH"/>
+          </a:p>
+        </p:txBody>
+      </p:sp>
+    </p:spTree>
+    <p:extLst>
+      <p:ext uri="{BB962C8B-B14F-4D97-AF65-F5344CB8AC3E}">
+        <p14:creationId xmlns:p14="http://schemas.microsoft.com/office/powerpoint/2010/main" val="3476697146"/>
+      </p:ext>
+    </p:extLst>
+  </p:cSld>
+  <p:clrMapOvr>
+    <a:masterClrMapping/>
+  </p:clrMapOvr>
+</p:notes>
+</file>
+
+<file path=ppt/notesSlides/notesSlide3.xml><?xml version="1.0" encoding="utf-8"?>
+<p:notes xmlns:a="http://schemas.openxmlformats.org/drawingml/2006/main" xmlns:r="http://schemas.openxmlformats.org/officeDocument/2006/relationships" xmlns:p="http://schemas.openxmlformats.org/presentationml/2006/main">
+  <p:cSld>
+    <p:spTree>
+      <p:nvGrpSpPr>
+        <p:cNvPr id="1" name=""/>
+        <p:cNvGrpSpPr/>
+        <p:nvPr/>
+      </p:nvGrpSpPr>
+      <p:grpSpPr>
+        <a:xfrm>
+          <a:off x="0" y="0"/>
+          <a:ext cx="0" cy="0"/>
+          <a:chOff x="0" y="0"/>
+          <a:chExt cx="0" cy="0"/>
+        </a:xfrm>
+      </p:grpSpPr>
+      <p:sp>
+        <p:nvSpPr>
+          <p:cNvPr id="2" name="Slide Image Placeholder 1"/>
+          <p:cNvSpPr>
+            <a:spLocks noGrp="1" noRot="1" noChangeAspect="1"/>
+          </p:cNvSpPr>
+          <p:nvPr>
+            <p:ph type="sldImg"/>
+          </p:nvPr>
+        </p:nvSpPr>
+        <p:spPr/>
+      </p:sp>
+      <p:sp>
+        <p:nvSpPr>
+          <p:cNvPr id="3" name="Notes Placeholder 2"/>
+          <p:cNvSpPr>
+            <a:spLocks noGrp="1"/>
+          </p:cNvSpPr>
+          <p:nvPr>
+            <p:ph type="body" idx="1"/>
+          </p:nvPr>
+        </p:nvSpPr>
+        <p:spPr/>
+        <p:txBody>
+          <a:bodyPr/>
+          <a:lstStyle/>
+          <a:p>
+            <a:endParaRPr lang="de-CH" dirty="0"/>
+          </a:p>
+        </p:txBody>
+      </p:sp>
+      <p:sp>
+        <p:nvSpPr>
+          <p:cNvPr id="4" name="Slide Number Placeholder 3"/>
+          <p:cNvSpPr>
+            <a:spLocks noGrp="1"/>
+          </p:cNvSpPr>
+          <p:nvPr>
+            <p:ph type="sldNum" sz="quarter" idx="5"/>
+          </p:nvPr>
+        </p:nvSpPr>
+        <p:spPr/>
+        <p:txBody>
+          <a:bodyPr/>
+          <a:lstStyle/>
+          <a:p>
+            <a:fld id="{B11727C5-5920-C847-A97F-C31A3A62D120}" type="slidenum">
+              <a:rPr lang="de-CH" smtClean="0"/>
+              <a:t>13</a:t>
             </a:fld>
             <a:endParaRPr lang="de-CH"/>
           </a:p>
@@ -3856,11 +3946,10 @@
           <a:bodyPr/>
           <a:lstStyle/>
           <a:p>
-            <a:fld id="{02AC24A9-CCB6-4F8D-B8DB-C2F3692CFA5A}" type="datetimeFigureOut">
-              <a:rPr lang="en-US" smtClean="0"/>
-              <a:t>2/6/25</a:t>
-            </a:fld>
-            <a:endParaRPr lang="en-US"/>
+            <a:r>
+              <a:rPr lang="en-US" dirty="0"/>
+              <a:t>06.02.2025</a:t>
+            </a:r>
           </a:p>
         </p:txBody>
       </p:sp>
@@ -3885,7 +3974,14 @@
           <a:bodyPr/>
           <a:lstStyle/>
           <a:p>
-            <a:endParaRPr lang="en-US"/>
+            <a:r>
+              <a:rPr lang="en-US" dirty="0" err="1"/>
+              <a:t>eai</a:t>
+            </a:r>
+            <a:r>
+              <a:rPr lang="en-US" dirty="0"/>
+              <a:t> – Yvo Keller</a:t>
+            </a:r>
           </a:p>
         </p:txBody>
       </p:sp>
@@ -5110,38 +5206,37 @@
           <a:p>
             <a:pPr lvl="0"/>
             <a:r>
-              <a:rPr lang="en-US"/>
+              <a:rPr lang="en-US" dirty="0"/>
               <a:t>Click to edit Master text styles</a:t>
             </a:r>
           </a:p>
           <a:p>
             <a:pPr lvl="1"/>
             <a:r>
-              <a:rPr lang="en-US"/>
+              <a:rPr lang="en-US" dirty="0"/>
               <a:t>Second level</a:t>
             </a:r>
           </a:p>
           <a:p>
             <a:pPr lvl="2"/>
             <a:r>
-              <a:rPr lang="en-US"/>
+              <a:rPr lang="en-US" dirty="0"/>
               <a:t>Third level</a:t>
             </a:r>
           </a:p>
           <a:p>
             <a:pPr lvl="3"/>
             <a:r>
-              <a:rPr lang="en-US"/>
+              <a:rPr lang="en-US" dirty="0"/>
               <a:t>Fourth level</a:t>
             </a:r>
           </a:p>
           <a:p>
             <a:pPr lvl="4"/>
             <a:r>
-              <a:rPr lang="en-US"/>
+              <a:rPr lang="en-US" dirty="0"/>
               <a:t>Fifth level</a:t>
             </a:r>
-            <a:endParaRPr lang="en-US" dirty="0"/>
           </a:p>
         </p:txBody>
       </p:sp>
@@ -5184,11 +5279,10 @@
             </a:lvl1pPr>
           </a:lstStyle>
           <a:p>
-            <a:fld id="{02AC24A9-CCB6-4F8D-B8DB-C2F3692CFA5A}" type="datetimeFigureOut">
-              <a:rPr lang="en-US" smtClean="0"/>
-              <a:t>2/6/25</a:t>
-            </a:fld>
-            <a:endParaRPr lang="en-US"/>
+            <a:r>
+              <a:rPr lang="en-US" dirty="0"/>
+              <a:t>06.02.2025</a:t>
+            </a:r>
           </a:p>
         </p:txBody>
       </p:sp>
@@ -5231,7 +5325,14 @@
             </a:lvl1pPr>
           </a:lstStyle>
           <a:p>
-            <a:endParaRPr lang="en-US"/>
+            <a:r>
+              <a:rPr lang="en-US" dirty="0" err="1"/>
+              <a:t>eai</a:t>
+            </a:r>
+            <a:r>
+              <a:rPr lang="en-US" dirty="0"/>
+              <a:t> – Yvo Keller</a:t>
+            </a:r>
           </a:p>
         </p:txBody>
       </p:sp>
@@ -5589,14 +5690,6 @@
 <file path=ppt/slides/slide1.xml><?xml version="1.0" encoding="utf-8"?>
 <p:sld xmlns:a="http://schemas.openxmlformats.org/drawingml/2006/main" xmlns:r="http://schemas.openxmlformats.org/officeDocument/2006/relationships" xmlns:p="http://schemas.openxmlformats.org/presentationml/2006/main">
   <p:cSld>
-    <p:bg>
-      <p:bgPr>
-        <a:solidFill>
-          <a:schemeClr val="bg1"/>
-        </a:solidFill>
-        <a:effectLst/>
-      </p:bgPr>
-    </p:bg>
     <p:spTree>
       <p:nvGrpSpPr>
         <p:cNvPr id="1" name=""/>
@@ -5783,7 +5876,7 @@
           <p:nvPr/>
         </p:nvPicPr>
         <p:blipFill>
-          <a:blip r:embed="rId2"/>
+          <a:blip r:embed="rId3"/>
           <a:srcRect t="21329"/>
           <a:stretch/>
         </p:blipFill>
@@ -5921,7 +6014,7 @@
           <a:p>
             <a:r>
               <a:rPr lang="de-CH" sz="4800" dirty="0"/>
-              <a:t>EXPLAINABLE </a:t>
+              <a:t>X </a:t>
             </a:r>
             <a:r>
               <a:rPr lang="de-CH" sz="4800" b="1" dirty="0"/>
@@ -6391,7 +6484,18 @@
               <a:rPr lang="de-CH" dirty="0" err="1"/>
               <a:t>Deeper</a:t>
             </a:r>
-            <a:endParaRPr lang="de-CH" dirty="0"/>
+            <a:r>
+              <a:rPr lang="de-CH" dirty="0"/>
+              <a:t>: </a:t>
+            </a:r>
+            <a:r>
+              <a:rPr lang="de-CH" dirty="0" err="1"/>
+              <a:t>Masking</a:t>
+            </a:r>
+            <a:r>
+              <a:rPr lang="de-CH" dirty="0"/>
+              <a:t> Digit</a:t>
+            </a:r>
           </a:p>
         </p:txBody>
       </p:sp>
@@ -6419,8 +6523,8 @@
         </p:blipFill>
         <p:spPr>
           <a:xfrm>
-            <a:off x="1536877" y="1728216"/>
-            <a:ext cx="9118246" cy="4883767"/>
+            <a:off x="1391029" y="1728216"/>
+            <a:ext cx="9409941" cy="5040000"/>
           </a:xfrm>
           <a:prstGeom prst="rect">
             <a:avLst/>
@@ -6441,6 +6545,139 @@
 </file>
 
 <file path=ppt/slides/slide12.xml><?xml version="1.0" encoding="utf-8"?>
+<p:sld xmlns:a="http://schemas.openxmlformats.org/drawingml/2006/main" xmlns:r="http://schemas.openxmlformats.org/officeDocument/2006/relationships" xmlns:p="http://schemas.openxmlformats.org/presentationml/2006/main">
+  <p:cSld>
+    <p:spTree>
+      <p:nvGrpSpPr>
+        <p:cNvPr id="1" name=""/>
+        <p:cNvGrpSpPr/>
+        <p:nvPr/>
+      </p:nvGrpSpPr>
+      <p:grpSpPr>
+        <a:xfrm>
+          <a:off x="0" y="0"/>
+          <a:ext cx="0" cy="0"/>
+          <a:chOff x="0" y="0"/>
+          <a:chExt cx="0" cy="0"/>
+        </a:xfrm>
+      </p:grpSpPr>
+      <p:sp>
+        <p:nvSpPr>
+          <p:cNvPr id="2" name="Title 1">
+            <a:extLst>
+              <a:ext uri="{FF2B5EF4-FFF2-40B4-BE49-F238E27FC236}">
+                <a16:creationId xmlns:a16="http://schemas.microsoft.com/office/drawing/2014/main" id="{2C1788E4-481E-35AD-1068-D16E6498E2C9}"/>
+              </a:ext>
+            </a:extLst>
+          </p:cNvPr>
+          <p:cNvSpPr>
+            <a:spLocks noGrp="1"/>
+          </p:cNvSpPr>
+          <p:nvPr>
+            <p:ph type="title"/>
+          </p:nvPr>
+        </p:nvSpPr>
+        <p:spPr/>
+        <p:txBody>
+          <a:bodyPr/>
+          <a:lstStyle/>
+          <a:p>
+            <a:r>
+              <a:rPr lang="de-CH" dirty="0" err="1"/>
+              <a:t>Digging</a:t>
+            </a:r>
+            <a:r>
+              <a:rPr lang="de-CH" dirty="0"/>
+              <a:t> </a:t>
+            </a:r>
+            <a:r>
+              <a:rPr lang="de-CH" dirty="0" err="1"/>
+              <a:t>Deeper</a:t>
+            </a:r>
+            <a:r>
+              <a:rPr lang="de-CH" dirty="0"/>
+              <a:t>: </a:t>
+            </a:r>
+            <a:r>
+              <a:rPr lang="de-CH" dirty="0" err="1"/>
+              <a:t>Masking</a:t>
+            </a:r>
+            <a:r>
+              <a:rPr lang="de-CH" dirty="0"/>
+              <a:t> AOI</a:t>
+            </a:r>
+          </a:p>
+        </p:txBody>
+      </p:sp>
+      <p:sp>
+        <p:nvSpPr>
+          <p:cNvPr id="3" name="Content Placeholder 2">
+            <a:extLst>
+              <a:ext uri="{FF2B5EF4-FFF2-40B4-BE49-F238E27FC236}">
+                <a16:creationId xmlns:a16="http://schemas.microsoft.com/office/drawing/2014/main" id="{B39BE773-C276-8051-7D76-24F3CE2F9001}"/>
+              </a:ext>
+            </a:extLst>
+          </p:cNvPr>
+          <p:cNvSpPr>
+            <a:spLocks noGrp="1"/>
+          </p:cNvSpPr>
+          <p:nvPr>
+            <p:ph idx="1"/>
+          </p:nvPr>
+        </p:nvSpPr>
+        <p:spPr/>
+        <p:txBody>
+          <a:bodyPr/>
+          <a:lstStyle/>
+          <a:p>
+            <a:endParaRPr lang="de-CH"/>
+          </a:p>
+        </p:txBody>
+      </p:sp>
+      <p:pic>
+        <p:nvPicPr>
+          <p:cNvPr id="4" name="Picture 3">
+            <a:extLst>
+              <a:ext uri="{FF2B5EF4-FFF2-40B4-BE49-F238E27FC236}">
+                <a16:creationId xmlns:a16="http://schemas.microsoft.com/office/drawing/2014/main" id="{BDC2808B-5CF3-2619-59D2-D2D5E57EA2D2}"/>
+              </a:ext>
+            </a:extLst>
+          </p:cNvPr>
+          <p:cNvPicPr>
+            <a:picLocks noChangeAspect="1"/>
+          </p:cNvPicPr>
+          <p:nvPr/>
+        </p:nvPicPr>
+        <p:blipFill>
+          <a:blip r:embed="rId2"/>
+          <a:stretch>
+            <a:fillRect/>
+          </a:stretch>
+        </p:blipFill>
+        <p:spPr>
+          <a:xfrm>
+            <a:off x="1391028" y="1728216"/>
+            <a:ext cx="9409943" cy="5040000"/>
+          </a:xfrm>
+          <a:prstGeom prst="rect">
+            <a:avLst/>
+          </a:prstGeom>
+        </p:spPr>
+      </p:pic>
+    </p:spTree>
+    <p:extLst>
+      <p:ext uri="{BB962C8B-B14F-4D97-AF65-F5344CB8AC3E}">
+        <p14:creationId xmlns:p14="http://schemas.microsoft.com/office/powerpoint/2010/main" val="3341971200"/>
+      </p:ext>
+    </p:extLst>
+  </p:cSld>
+  <p:clrMapOvr>
+    <a:masterClrMapping/>
+  </p:clrMapOvr>
+</p:sld>
+</file>
+
+<file path=ppt/slides/slide13.xml><?xml version="1.0" encoding="utf-8"?>
 <p:sld xmlns:a="http://schemas.openxmlformats.org/drawingml/2006/main" xmlns:r="http://schemas.openxmlformats.org/officeDocument/2006/relationships" xmlns:p="http://schemas.openxmlformats.org/presentationml/2006/main">
   <p:cSld>
     <p:spTree>

--- a/resources/presentation.pptx
+++ b/resources/presentation.pptx
@@ -521,7 +521,7 @@
           <a:bodyPr/>
           <a:lstStyle/>
           <a:p>
-            <a:endParaRPr lang="de-CH"/>
+            <a:endParaRPr lang="de-CH" dirty="0"/>
           </a:p>
         </p:txBody>
       </p:sp>
